--- a/jspWorks/자료/jsp_ppt/9장. JSTL.pptx
+++ b/jspWorks/자료/jsp_ppt/9장. JSTL.pptx
@@ -249,7 +249,7 @@
           <a:p>
             <a:fld id="{7665CDAC-D627-4E87-877A-1B781DD4CADC}" type="datetimeFigureOut">
               <a:rPr lang="ko-KR" altLang="en-US" smtClean="0"/>
-              <a:t>2023-06-05</a:t>
+              <a:t>2023-06-09</a:t>
             </a:fld>
             <a:endParaRPr lang="ko-KR" altLang="en-US"/>
           </a:p>
@@ -787,7 +787,7 @@
           <a:p>
             <a:fld id="{F4AC81B4-D91A-4578-85B3-829E63FCFE17}" type="datetime1">
               <a:rPr lang="ko-KR" altLang="en-US" smtClean="0"/>
-              <a:t>2023-06-05</a:t>
+              <a:t>2023-06-09</a:t>
             </a:fld>
             <a:endParaRPr lang="ko-KR" altLang="en-US"/>
           </a:p>
@@ -1162,7 +1162,7 @@
           <a:p>
             <a:fld id="{F5B77542-37E5-48F2-BAE7-80CC6B0EB6A3}" type="datetime1">
               <a:rPr lang="ko-KR" altLang="en-US" smtClean="0"/>
-              <a:t>2023-06-05</a:t>
+              <a:t>2023-06-09</a:t>
             </a:fld>
             <a:endParaRPr lang="ko-KR" altLang="en-US"/>
           </a:p>
@@ -1342,7 +1342,7 @@
           <a:p>
             <a:fld id="{227CF174-B5AC-4A98-B673-0BE8126D3F27}" type="datetime1">
               <a:rPr lang="ko-KR" altLang="en-US" smtClean="0"/>
-              <a:t>2023-06-05</a:t>
+              <a:t>2023-06-09</a:t>
             </a:fld>
             <a:endParaRPr lang="ko-KR" altLang="en-US"/>
           </a:p>
@@ -1516,7 +1516,7 @@
           <a:p>
             <a:fld id="{E20FDEC8-1339-42E8-9704-2977280C2FD3}" type="datetime1">
               <a:rPr lang="ko-KR" altLang="en-US" smtClean="0"/>
-              <a:t>2023-06-05</a:t>
+              <a:t>2023-06-09</a:t>
             </a:fld>
             <a:endParaRPr lang="ko-KR" altLang="en-US"/>
           </a:p>
@@ -1762,7 +1762,7 @@
           <a:p>
             <a:fld id="{4D18DC76-A282-4817-B790-197F054E1215}" type="datetime1">
               <a:rPr lang="ko-KR" altLang="en-US" smtClean="0"/>
-              <a:t>2023-06-05</a:t>
+              <a:t>2023-06-09</a:t>
             </a:fld>
             <a:endParaRPr lang="ko-KR" altLang="en-US"/>
           </a:p>
@@ -2050,7 +2050,7 @@
           <a:p>
             <a:fld id="{6680AA6C-13D8-43E4-90F0-E6C88A2B9F16}" type="datetime1">
               <a:rPr lang="ko-KR" altLang="en-US" smtClean="0"/>
-              <a:t>2023-06-05</a:t>
+              <a:t>2023-06-09</a:t>
             </a:fld>
             <a:endParaRPr lang="ko-KR" altLang="en-US"/>
           </a:p>
@@ -2472,7 +2472,7 @@
           <a:p>
             <a:fld id="{3EF5B03B-20CC-436E-8601-C933C6C1F4A6}" type="datetime1">
               <a:rPr lang="ko-KR" altLang="en-US" smtClean="0"/>
-              <a:t>2023-06-05</a:t>
+              <a:t>2023-06-09</a:t>
             </a:fld>
             <a:endParaRPr lang="ko-KR" altLang="en-US"/>
           </a:p>
@@ -2590,7 +2590,7 @@
           <a:p>
             <a:fld id="{87B5A15D-8B08-482F-AB47-E416EC355EB6}" type="datetime1">
               <a:rPr lang="ko-KR" altLang="en-US" smtClean="0"/>
-              <a:t>2023-06-05</a:t>
+              <a:t>2023-06-09</a:t>
             </a:fld>
             <a:endParaRPr lang="ko-KR" altLang="en-US"/>
           </a:p>
@@ -2685,7 +2685,7 @@
           <a:p>
             <a:fld id="{A877D7F8-7B64-44F8-A411-CBD22F28CBFF}" type="datetime1">
               <a:rPr lang="ko-KR" altLang="en-US" smtClean="0"/>
-              <a:t>2023-06-05</a:t>
+              <a:t>2023-06-09</a:t>
             </a:fld>
             <a:endParaRPr lang="ko-KR" altLang="en-US"/>
           </a:p>
@@ -2962,7 +2962,7 @@
           <a:p>
             <a:fld id="{E12DBD9B-2BB6-4D1F-BCB4-1E48829C93C3}" type="datetime1">
               <a:rPr lang="ko-KR" altLang="en-US" smtClean="0"/>
-              <a:t>2023-06-05</a:t>
+              <a:t>2023-06-09</a:t>
             </a:fld>
             <a:endParaRPr lang="ko-KR" altLang="en-US"/>
           </a:p>
@@ -3215,7 +3215,7 @@
           <a:p>
             <a:fld id="{17564C48-0CD7-40EB-BE64-BBF4DB8C56AF}" type="datetime1">
               <a:rPr lang="ko-KR" altLang="en-US" smtClean="0"/>
-              <a:t>2023-06-05</a:t>
+              <a:t>2023-06-09</a:t>
             </a:fld>
             <a:endParaRPr lang="ko-KR" altLang="en-US"/>
           </a:p>
@@ -3395,7 +3395,7 @@
           <a:p>
             <a:fld id="{C116BCB4-B68B-4638-8167-F4BDC0A30DA1}" type="datetime1">
               <a:rPr lang="ko-KR" altLang="en-US" smtClean="0"/>
-              <a:t>2023-06-05</a:t>
+              <a:t>2023-06-09</a:t>
             </a:fld>
             <a:endParaRPr lang="ko-KR" altLang="en-US"/>
           </a:p>
@@ -5502,7 +5502,7 @@
         </p:blipFill>
         <p:spPr>
           <a:xfrm>
-            <a:off x="1336993" y="2852936"/>
+            <a:off x="1280592" y="2996952"/>
             <a:ext cx="7232007" cy="2690093"/>
           </a:xfrm>
           <a:prstGeom prst="rect">
@@ -5856,7 +5856,7 @@
       </p:sp>
       <p:pic>
         <p:nvPicPr>
-          <p:cNvPr id="10" name="그림 9"/>
+          <p:cNvPr id="8" name="그림 7"/>
           <p:cNvPicPr>
             <a:picLocks noChangeAspect="1"/>
           </p:cNvPicPr>
@@ -5864,43 +5864,6 @@
         </p:nvPicPr>
         <p:blipFill>
           <a:blip r:embed="rId2">
-            <a:extLst>
-              <a:ext uri="{28A0092B-C50C-407E-A947-70E740481C1C}">
-                <a14:useLocalDpi xmlns:a14="http://schemas.microsoft.com/office/drawing/2010/main" val="0"/>
-              </a:ext>
-            </a:extLst>
-          </a:blip>
-          <a:stretch>
-            <a:fillRect/>
-          </a:stretch>
-        </p:blipFill>
-        <p:spPr>
-          <a:xfrm>
-            <a:off x="1096178" y="3789040"/>
-            <a:ext cx="7216766" cy="2151441"/>
-          </a:xfrm>
-          <a:prstGeom prst="rect">
-            <a:avLst/>
-          </a:prstGeom>
-          <a:ln>
-            <a:solidFill>
-              <a:schemeClr val="bg1">
-                <a:lumMod val="85000"/>
-              </a:schemeClr>
-            </a:solidFill>
-          </a:ln>
-        </p:spPr>
-      </p:pic>
-      <p:pic>
-        <p:nvPicPr>
-          <p:cNvPr id="8" name="그림 7"/>
-          <p:cNvPicPr>
-            <a:picLocks noChangeAspect="1"/>
-          </p:cNvPicPr>
-          <p:nvPr/>
-        </p:nvPicPr>
-        <p:blipFill>
-          <a:blip r:embed="rId3">
             <a:extLst>
               <a:ext uri="{28A0092B-C50C-407E-A947-70E740481C1C}">
                 <a14:useLocalDpi xmlns:a14="http://schemas.microsoft.com/office/drawing/2010/main" val="0"/>
@@ -5980,6 +5943,43 @@
           </a:p>
         </p:txBody>
       </p:sp>
+      <p:pic>
+        <p:nvPicPr>
+          <p:cNvPr id="3" name="그림 2"/>
+          <p:cNvPicPr>
+            <a:picLocks noChangeAspect="1"/>
+          </p:cNvPicPr>
+          <p:nvPr/>
+        </p:nvPicPr>
+        <p:blipFill>
+          <a:blip r:embed="rId3">
+            <a:extLst>
+              <a:ext uri="{28A0092B-C50C-407E-A947-70E740481C1C}">
+                <a14:useLocalDpi xmlns:a14="http://schemas.microsoft.com/office/drawing/2010/main" val="0"/>
+              </a:ext>
+            </a:extLst>
+          </a:blip>
+          <a:stretch>
+            <a:fillRect/>
+          </a:stretch>
+        </p:blipFill>
+        <p:spPr>
+          <a:xfrm>
+            <a:off x="1129715" y="3933057"/>
+            <a:ext cx="7243094" cy="2088231"/>
+          </a:xfrm>
+          <a:prstGeom prst="rect">
+            <a:avLst/>
+          </a:prstGeom>
+          <a:ln>
+            <a:solidFill>
+              <a:schemeClr val="bg1">
+                <a:lumMod val="85000"/>
+              </a:schemeClr>
+            </a:solidFill>
+          </a:ln>
+        </p:spPr>
+      </p:pic>
     </p:spTree>
     <p:extLst>
       <p:ext uri="{BB962C8B-B14F-4D97-AF65-F5344CB8AC3E}">
